--- a/Summary_Presentation.pptx
+++ b/Summary_Presentation.pptx
@@ -9363,7 +9363,7 @@
         </p:spPr>
         <p:txBody>
           <a:bodyPr>
-            <a:normAutofit/>
+            <a:normAutofit lnSpcReduction="10000"/>
           </a:bodyPr>
           <a:lstStyle/>
           <a:p>
@@ -9412,7 +9412,7 @@
           <a:p>
             <a:r>
               <a:rPr lang="en-US" dirty="0"/>
-              <a:t>Unable to increase model accuracy over 75%</a:t>
+              <a:t>Unable to increase model accuracy over 75%. Finetuning probability helped in better prediction</a:t>
             </a:r>
           </a:p>
           <a:p>
